--- a/Presentation/MeetupServiceBusWorkerService.pptx
+++ b/Presentation/MeetupServiceBusWorkerService.pptx
@@ -455,7 +455,7 @@
             <a:fld id="{73B26A0F-F4D6-9B4F-A87B-D8948CDE3BB4}" type="datetimeFigureOut">
               <a:rPr lang="en-US" smtClean="0"/>
               <a:pPr/>
-              <a:t>7/31/2023</a:t>
+              <a:t>8/3/2023</a:t>
             </a:fld>
             <a:endParaRPr lang="en-US" dirty="0"/>
           </a:p>
@@ -3921,7 +3921,7 @@
                   <a:spcPct val="50000"/>
                 </a:spcBef>
               </a:pPr>
-              <a:t>July 31, 2023</a:t>
+              <a:t>August 3, 2023</a:t>
             </a:fld>
             <a:endParaRPr lang="en-US" sz="1100" b="0" dirty="0">
               <a:solidFill>
@@ -5643,7 +5643,7 @@
                   <a:spcPct val="50000"/>
                 </a:spcBef>
               </a:pPr>
-              <a:t>July 31, 2023</a:t>
+              <a:t>August 3, 2023</a:t>
             </a:fld>
             <a:endParaRPr lang="en-US" sz="1100" b="0" dirty="0">
               <a:solidFill>
@@ -5759,7 +5759,7 @@
                   <a:spcPts val="0"/>
                 </a:spcBef>
               </a:pPr>
-              <a:t>July 31, 2023</a:t>
+              <a:t>August 3, 2023</a:t>
             </a:fld>
             <a:endParaRPr lang="en-US" sz="1100" b="0" dirty="0">
               <a:solidFill>
@@ -7717,7 +7717,7 @@
                   <a:spcPct val="50000"/>
                 </a:spcBef>
               </a:pPr>
-              <a:t>July 31, 2023</a:t>
+              <a:t>August 3, 2023</a:t>
             </a:fld>
             <a:endParaRPr lang="en-US" sz="1100" b="0" dirty="0">
               <a:solidFill>
@@ -7875,7 +7875,7 @@
                   <a:spcPts val="0"/>
                 </a:spcBef>
               </a:pPr>
-              <a:t>July 31, 2023</a:t>
+              <a:t>August 3, 2023</a:t>
             </a:fld>
             <a:endParaRPr lang="en-US" sz="1100" b="0" dirty="0">
               <a:solidFill>
@@ -9379,7 +9379,7 @@
                   <a:spcPct val="50000"/>
                 </a:spcBef>
               </a:pPr>
-              <a:t>July 31, 2023</a:t>
+              <a:t>August 3, 2023</a:t>
             </a:fld>
             <a:endParaRPr lang="en-US" sz="1100" b="0" dirty="0">
               <a:solidFill>
@@ -9495,7 +9495,7 @@
                   <a:spcPts val="0"/>
                 </a:spcBef>
               </a:pPr>
-              <a:t>July 31, 2023</a:t>
+              <a:t>August 3, 2023</a:t>
             </a:fld>
             <a:endParaRPr lang="en-US" sz="1100" b="0" dirty="0">
               <a:solidFill>
@@ -11214,7 +11214,7 @@
                   <a:spcPct val="50000"/>
                 </a:spcBef>
               </a:pPr>
-              <a:t>July 31, 2023</a:t>
+              <a:t>August 3, 2023</a:t>
             </a:fld>
             <a:endParaRPr lang="en-US" sz="1100" b="0" dirty="0">
               <a:solidFill>
@@ -18126,7 +18126,7 @@
         <p:fade/>
       </p:transition>
     </mc:Choice>
-    <mc:Fallback xmlns:p159="http://schemas.microsoft.com/office/powerpoint/2015/09/main" xmlns:p15="http://schemas.microsoft.com/office/powerpoint/2012/main" xmlns:a14="http://schemas.microsoft.com/office/drawing/2010/main" xmlns:wp="http://schemas.openxmlformats.org/drawingml/2006/wordprocessingDrawing" xmlns:w="http://schemas.openxmlformats.org/wordprocessingml/2006/main" xmlns:m="http://schemas.openxmlformats.org/officeDocument/2006/math" xmlns="">
+    <mc:Fallback xmlns="" xmlns:m="http://schemas.openxmlformats.org/officeDocument/2006/math" xmlns:w="http://schemas.openxmlformats.org/wordprocessingml/2006/main" xmlns:wp="http://schemas.openxmlformats.org/drawingml/2006/wordprocessingDrawing" xmlns:a14="http://schemas.microsoft.com/office/drawing/2010/main" xmlns:p15="http://schemas.microsoft.com/office/powerpoint/2012/main" xmlns:p159="http://schemas.microsoft.com/office/powerpoint/2015/09/main">
       <p:transition spd="med">
         <p:fade/>
       </p:transition>
@@ -20085,7 +20085,7 @@
                   <a:spcPts val="0"/>
                 </a:spcBef>
               </a:pPr>
-              <a:t>July 31, 2023</a:t>
+              <a:t>August 3, 2023</a:t>
             </a:fld>
             <a:endParaRPr lang="en-US" sz="1100" b="0" dirty="0">
               <a:solidFill>
@@ -21220,9 +21220,16 @@
             <p:ph idx="1"/>
           </p:nvPr>
         </p:nvSpPr>
-        <p:spPr/>
+        <p:spPr>
+          <a:xfrm>
+            <a:off x="685799" y="2057399"/>
+            <a:ext cx="13258799" cy="5358285"/>
+          </a:xfrm>
+        </p:spPr>
         <p:txBody>
-          <a:bodyPr/>
+          <a:bodyPr>
+            <a:normAutofit lnSpcReduction="10000"/>
+          </a:bodyPr>
           <a:lstStyle/>
           <a:p>
             <a:r>
@@ -21231,85 +21238,63 @@
                   <a:schemeClr val="accent1"/>
                 </a:solidFill>
               </a:rPr>
-              <a:t>Level 1 text is Arial Bold 20pt without a bullet. Do not add a bullet to level 1 text. Use level 1 text as a subtitle, lead-in sentence or brief summary paragraph.</a:t>
+              <a:t>Is an Azure resource that is a message broker that enables the inter-application or service communication in a asynchronous manner.</a:t>
             </a:r>
           </a:p>
           <a:p>
             <a:pPr lvl="1"/>
             <a:r>
               <a:rPr lang="en-US" dirty="0"/>
-              <a:t>Level 2 text is Arial 20pt without a bullet. Do not add a bullet to level 2 text. Use level 2 text for main non-bulleted body text in sentence/paragraph format.</a:t>
+              <a:t>Another alternatives are Apache Kafka, RabbitMQ, ActiveMQ and Amazon MQ.</a:t>
             </a:r>
           </a:p>
           <a:p>
             <a:pPr lvl="2"/>
             <a:r>
               <a:rPr lang="en-US" dirty="0"/>
-              <a:t>Level 3 text is Arial 20pt with a round bullet</a:t>
+              <a:t>Azure Service Bus is an enterprise-grade, multitenant cloud messaging service of Microsoft Azure. It is a Platform-as-a-Service (PaaS) offering of Azure and is fully managed by Microsoft. </a:t>
             </a:r>
           </a:p>
           <a:p>
             <a:pPr lvl="2"/>
             <a:r>
               <a:rPr lang="en-US" dirty="0"/>
-              <a:t>Use level 3 text for main bullet points</a:t>
+              <a:t>Azure Service Bus allows applications to interact or transfer data with each other using messages. It supports data in different formats, such as JSON, XML, plain text, and so on, and provides client libraries in different languages to build solutions using it</a:t>
             </a:r>
           </a:p>
           <a:p>
             <a:pPr lvl="2"/>
             <a:r>
               <a:rPr lang="en-US" dirty="0"/>
-              <a:t>Use the “Increase List Level” and “Decrease List Level” buttons in the “Paragraph” section of the “Home” tab to change text levels</a:t>
-            </a:r>
-          </a:p>
-          <a:p>
-            <a:pPr lvl="3"/>
-            <a:r>
-              <a:rPr lang="en-US" dirty="0"/>
-              <a:t>Not all text levels are required; use only those relevant to your content</a:t>
+              <a:t>When using Azure Service Bus</a:t>
             </a:r>
           </a:p>
           <a:p>
             <a:pPr lvl="2"/>
             <a:r>
               <a:rPr lang="en-US" dirty="0"/>
-              <a:t>If too much text is entered into the content area, font size and line spacing are automatically reduced to fit; however, for legibility and consistency, avoid putting too much text on slides</a:t>
+              <a:t>Increasing scalability of the application</a:t>
             </a:r>
           </a:p>
-        </p:txBody>
-      </p:sp>
-      <p:sp>
-        <p:nvSpPr>
-          <p:cNvPr id="5" name="TextBox 4"/>
-          <p:cNvSpPr txBox="1"/>
-          <p:nvPr/>
-        </p:nvSpPr>
-        <p:spPr>
-          <a:xfrm>
-            <a:off x="685800" y="6721474"/>
-            <a:ext cx="11201400" cy="457200"/>
-          </a:xfrm>
-          <a:prstGeom prst="rect">
-            <a:avLst/>
-          </a:prstGeom>
-          <a:noFill/>
-        </p:spPr>
-        <p:txBody>
-          <a:bodyPr wrap="square" lIns="0" tIns="0" rIns="0" bIns="0" rtlCol="0" anchor="b" anchorCtr="0">
-            <a:noAutofit/>
-          </a:bodyPr>
-          <a:lstStyle/>
           <a:p>
+            <a:pPr lvl="2"/>
             <a:r>
-              <a:rPr lang="en-US" sz="900" dirty="0"/>
-              <a:t>Footnotes/references, if needed, appear here in Arial 9pt. </a:t>
+              <a:rPr lang="en-US" dirty="0"/>
+              <a:t> Replacing RPCs• Integrating heterogeneous applications</a:t>
             </a:r>
-            <a:br>
-              <a:rPr lang="en-US" sz="900" dirty="0"/>
-            </a:br>
+          </a:p>
+          <a:p>
+            <a:pPr lvl="2"/>
             <a:r>
-              <a:rPr lang="en-US" sz="900" dirty="0"/>
-              <a:t>Text grows up as lines are added. Copy and paste this box onto other slides where footnotes are needed.</a:t>
+              <a:rPr lang="en-US" dirty="0"/>
+              <a:t>Reducing the coupling between applications</a:t>
+            </a:r>
+          </a:p>
+          <a:p>
+            <a:pPr lvl="2"/>
+            <a:r>
+              <a:rPr lang="en-US" dirty="0"/>
+              <a:t>Supports filtering with Topics, Message Sessions, Message auto-forwarding, Duplicate detection, Expiration, deferral and batching</a:t>
             </a:r>
           </a:p>
         </p:txBody>
@@ -21332,8 +21317,8 @@
         </p:nvSpPr>
         <p:spPr>
           <a:xfrm>
-            <a:off x="11715750" y="0"/>
-            <a:ext cx="2601913" cy="776288"/>
+            <a:off x="11715750" y="277344"/>
+            <a:ext cx="2601913" cy="221599"/>
           </a:xfrm>
           <a:prstGeom prst="rect">
             <a:avLst/>
@@ -21351,14 +21336,11 @@
                 <a:spcPct val="90000"/>
               </a:lnSpc>
             </a:pPr>
-            <a:r>
-              <a:rPr lang="en-US" sz="1600" b="1" dirty="0">
-                <a:solidFill>
-                  <a:schemeClr val="bg1"/>
-                </a:solidFill>
-              </a:rPr>
-              <a:t>16pt Arial Bold text goes here for a callout</a:t>
-            </a:r>
+            <a:endParaRPr lang="en-US" sz="1600" b="1" dirty="0">
+              <a:solidFill>
+                <a:schemeClr val="bg1"/>
+              </a:solidFill>
+            </a:endParaRPr>
           </a:p>
         </p:txBody>
       </p:sp>
@@ -21448,7 +21430,9 @@
         </p:nvSpPr>
         <p:spPr/>
         <p:txBody>
-          <a:bodyPr/>
+          <a:bodyPr>
+            <a:normAutofit lnSpcReduction="10000"/>
+          </a:bodyPr>
           <a:lstStyle/>
           <a:p>
             <a:r>
@@ -21457,86 +21441,331 @@
                   <a:schemeClr val="accent1"/>
                 </a:solidFill>
               </a:rPr>
-              <a:t>Level 1 text is Arial Bold 20pt without a bullet. Do not add a bullet to level 1 text. Use level 1 text as a subtitle, lead-in sentence or brief summary paragraph.</a:t>
+              <a:t>Is a .NET Project Template.</a:t>
             </a:r>
           </a:p>
           <a:p>
-            <a:pPr lvl="1"/>
+            <a:pPr algn="l"/>
             <a:r>
-              <a:rPr lang="en-US" dirty="0"/>
-              <a:t>Level 2 text is Arial 20pt without a bullet. Do not add a bullet to level 2 text. Use level 2 text for main non-bulleted body text in sentence/paragraph format.</a:t>
+              <a:rPr lang="en-US" b="0" i="0" dirty="0">
+                <a:solidFill>
+                  <a:srgbClr val="050505"/>
+                </a:solidFill>
+                <a:effectLst/>
+                <a:latin typeface="inherit"/>
+              </a:rPr>
+              <a:t>Along with ASP.NET Core 3.0, a new application template was introduced, the </a:t>
+            </a:r>
+            <a:r>
+              <a:rPr lang="en-US" b="1" i="0" dirty="0">
+                <a:solidFill>
+                  <a:srgbClr val="050505"/>
+                </a:solidFill>
+                <a:effectLst/>
+                <a:latin typeface="inherit"/>
+              </a:rPr>
+              <a:t>Worker Service </a:t>
+            </a:r>
+            <a:r>
+              <a:rPr lang="en-US" b="0" i="0" dirty="0">
+                <a:solidFill>
+                  <a:srgbClr val="050505"/>
+                </a:solidFill>
+                <a:effectLst/>
+                <a:latin typeface="inherit"/>
+              </a:rPr>
+              <a:t>template. This template allows us to create an out-of-the-box project to create background services with .NET Core with some boilerplate code.</a:t>
+            </a:r>
+            <a:endParaRPr lang="en-US" b="0" i="0" dirty="0">
+              <a:solidFill>
+                <a:srgbClr val="050505"/>
+              </a:solidFill>
+              <a:effectLst/>
+              <a:latin typeface="Segoe UI Historic" panose="020B0502040204020203" pitchFamily="34" charset="0"/>
+            </a:endParaRPr>
+          </a:p>
+          <a:p>
+            <a:pPr algn="l"/>
+            <a:r>
+              <a:rPr lang="en-US" b="0" i="0" dirty="0">
+                <a:solidFill>
+                  <a:srgbClr val="050505"/>
+                </a:solidFill>
+                <a:effectLst/>
+                <a:latin typeface="inherit"/>
+              </a:rPr>
+              <a:t>It creates a Worker class that inherits from </a:t>
+            </a:r>
+            <a:r>
+              <a:rPr lang="en-US" b="0" i="0" dirty="0" err="1">
+                <a:solidFill>
+                  <a:srgbClr val="050505"/>
+                </a:solidFill>
+                <a:effectLst/>
+                <a:latin typeface="inherit"/>
+              </a:rPr>
+              <a:t>BackgroundService</a:t>
+            </a:r>
+            <a:r>
+              <a:rPr lang="en-US" b="0" i="0" dirty="0">
+                <a:solidFill>
+                  <a:srgbClr val="050505"/>
+                </a:solidFill>
+                <a:effectLst/>
+                <a:latin typeface="inherit"/>
+              </a:rPr>
+              <a:t> and is added as hosted service using the </a:t>
+            </a:r>
+            <a:r>
+              <a:rPr lang="en-US" b="1" i="0" dirty="0" err="1">
+                <a:solidFill>
+                  <a:srgbClr val="050505"/>
+                </a:solidFill>
+                <a:effectLst/>
+                <a:latin typeface="inherit"/>
+              </a:rPr>
+              <a:t>AddHostedService</a:t>
+            </a:r>
+            <a:r>
+              <a:rPr lang="en-US" b="1" i="0" dirty="0">
+                <a:solidFill>
+                  <a:srgbClr val="050505"/>
+                </a:solidFill>
+                <a:effectLst/>
+                <a:latin typeface="inherit"/>
+              </a:rPr>
+              <a:t> </a:t>
+            </a:r>
+            <a:r>
+              <a:rPr lang="en-US" b="0" i="0" dirty="0">
+                <a:solidFill>
+                  <a:srgbClr val="050505"/>
+                </a:solidFill>
+                <a:effectLst/>
+                <a:latin typeface="inherit"/>
+              </a:rPr>
+              <a:t>method in </a:t>
+            </a:r>
+            <a:r>
+              <a:rPr lang="en-US" b="0" i="0" dirty="0" err="1">
+                <a:solidFill>
+                  <a:srgbClr val="050505"/>
+                </a:solidFill>
+                <a:effectLst/>
+                <a:latin typeface="inherit"/>
+              </a:rPr>
+              <a:t>program.cs</a:t>
+            </a:r>
+            <a:r>
+              <a:rPr lang="en-US" b="0" i="0" dirty="0">
+                <a:solidFill>
+                  <a:srgbClr val="050505"/>
+                </a:solidFill>
+                <a:effectLst/>
+                <a:latin typeface="inherit"/>
+              </a:rPr>
+              <a:t>. The functionality that we want to implement is going to be inside </a:t>
+            </a:r>
+            <a:r>
+              <a:rPr lang="en-US" b="0" i="0" dirty="0" err="1">
+                <a:solidFill>
+                  <a:srgbClr val="050505"/>
+                </a:solidFill>
+                <a:effectLst/>
+                <a:latin typeface="inherit"/>
+              </a:rPr>
+              <a:t>ExecuteAsync</a:t>
+            </a:r>
+            <a:r>
+              <a:rPr lang="en-US" b="0" i="0" dirty="0">
+                <a:solidFill>
+                  <a:srgbClr val="050505"/>
+                </a:solidFill>
+                <a:effectLst/>
+                <a:latin typeface="inherit"/>
+              </a:rPr>
+              <a:t> method in the Worker class. As with any other .NET Core and .NET you can specify dependency injection to any other services as </a:t>
+            </a:r>
+            <a:r>
+              <a:rPr lang="en-US" b="0" i="0" dirty="0" err="1">
+                <a:solidFill>
+                  <a:srgbClr val="050505"/>
+                </a:solidFill>
+                <a:effectLst/>
+                <a:latin typeface="inherit"/>
+              </a:rPr>
+              <a:t>ILogger</a:t>
+            </a:r>
+            <a:r>
+              <a:rPr lang="en-US" b="0" i="0" dirty="0">
+                <a:solidFill>
+                  <a:srgbClr val="050505"/>
+                </a:solidFill>
+                <a:effectLst/>
+                <a:latin typeface="inherit"/>
+              </a:rPr>
+              <a:t> to instrument the process for troubleshooting</a:t>
+            </a:r>
+            <a:endParaRPr lang="en-US" b="0" i="0" dirty="0">
+              <a:solidFill>
+                <a:srgbClr val="050505"/>
+              </a:solidFill>
+              <a:effectLst/>
+              <a:latin typeface="Segoe UI Historic" panose="020B0502040204020203" pitchFamily="34" charset="0"/>
+            </a:endParaRPr>
+          </a:p>
+          <a:p>
+            <a:pPr algn="l"/>
+            <a:r>
+              <a:rPr lang="en-US" b="0" i="0" dirty="0" err="1">
+                <a:solidFill>
+                  <a:srgbClr val="050505"/>
+                </a:solidFill>
+                <a:effectLst/>
+                <a:latin typeface="inherit"/>
+              </a:rPr>
+              <a:t>Workser</a:t>
+            </a:r>
+            <a:r>
+              <a:rPr lang="en-US" b="0" i="0" dirty="0">
+                <a:solidFill>
+                  <a:srgbClr val="050505"/>
+                </a:solidFill>
+                <a:effectLst/>
+                <a:latin typeface="inherit"/>
+              </a:rPr>
+              <a:t> Service template can be created either using Visual Studio as a project template or with .NET </a:t>
+            </a:r>
+            <a:r>
+              <a:rPr lang="en-US" b="0" i="0" dirty="0" err="1">
+                <a:solidFill>
+                  <a:srgbClr val="050505"/>
+                </a:solidFill>
+                <a:effectLst/>
+                <a:latin typeface="inherit"/>
+              </a:rPr>
+              <a:t>Cli</a:t>
+            </a:r>
+            <a:endParaRPr lang="en-US" b="0" i="0" dirty="0">
+              <a:solidFill>
+                <a:srgbClr val="050505"/>
+              </a:solidFill>
+              <a:effectLst/>
+              <a:latin typeface="Segoe UI Historic" panose="020B0502040204020203" pitchFamily="34" charset="0"/>
+            </a:endParaRPr>
+          </a:p>
+          <a:p>
+            <a:pPr algn="l">
+              <a:buFont typeface="Arial" panose="020B0604020202020204" pitchFamily="34" charset="0"/>
+              <a:buChar char="•"/>
+            </a:pPr>
+            <a:r>
+              <a:rPr lang="en-US" b="0" i="0" dirty="0">
+                <a:solidFill>
+                  <a:srgbClr val="050505"/>
+                </a:solidFill>
+                <a:effectLst/>
+                <a:latin typeface="inherit"/>
+              </a:rPr>
+              <a:t>dotnet new worker </a:t>
+            </a:r>
+            <a:r>
+              <a:rPr lang="en-US" b="0" i="0" dirty="0" err="1">
+                <a:solidFill>
+                  <a:srgbClr val="050505"/>
+                </a:solidFill>
+                <a:effectLst/>
+                <a:latin typeface="inherit"/>
+              </a:rPr>
+              <a:t>myWorkerService</a:t>
+            </a:r>
+            <a:endParaRPr lang="en-US" b="0" i="0" dirty="0">
+              <a:solidFill>
+                <a:srgbClr val="050505"/>
+              </a:solidFill>
+              <a:effectLst/>
+              <a:latin typeface="inherit"/>
+            </a:endParaRPr>
+          </a:p>
+          <a:p>
+            <a:pPr algn="l"/>
+            <a:r>
+              <a:rPr lang="en-US" b="0" i="0" dirty="0">
+                <a:solidFill>
+                  <a:srgbClr val="050505"/>
+                </a:solidFill>
+                <a:effectLst/>
+                <a:latin typeface="inherit"/>
+              </a:rPr>
+              <a:t>A Worker Service can be deployed as:</a:t>
+            </a:r>
+            <a:endParaRPr lang="en-US" b="0" i="0" dirty="0">
+              <a:solidFill>
+                <a:srgbClr val="050505"/>
+              </a:solidFill>
+              <a:effectLst/>
+              <a:latin typeface="Segoe UI Historic" panose="020B0502040204020203" pitchFamily="34" charset="0"/>
+            </a:endParaRPr>
+          </a:p>
+          <a:p>
+            <a:pPr algn="l">
+              <a:buFont typeface="Arial" panose="020B0604020202020204" pitchFamily="34" charset="0"/>
+              <a:buChar char="•"/>
+            </a:pPr>
+            <a:r>
+              <a:rPr lang="en-US" b="0" i="0" dirty="0">
+                <a:solidFill>
+                  <a:srgbClr val="050505"/>
+                </a:solidFill>
+                <a:effectLst/>
+                <a:latin typeface="inherit"/>
+              </a:rPr>
+              <a:t>Windows Service</a:t>
             </a:r>
           </a:p>
           <a:p>
-            <a:pPr lvl="2"/>
+            <a:pPr algn="l">
+              <a:buFont typeface="Arial" panose="020B0604020202020204" pitchFamily="34" charset="0"/>
+              <a:buChar char="•"/>
+            </a:pPr>
             <a:r>
-              <a:rPr lang="en-US" dirty="0"/>
-              <a:t>Level 3 text is Arial 20pt with a round bullet</a:t>
+              <a:rPr lang="en-US" b="0" i="0" dirty="0">
+                <a:solidFill>
+                  <a:srgbClr val="050505"/>
+                </a:solidFill>
+                <a:effectLst/>
+                <a:latin typeface="inherit"/>
+              </a:rPr>
+              <a:t>Azure Container Instance (ACI)</a:t>
             </a:r>
           </a:p>
           <a:p>
-            <a:pPr lvl="2"/>
+            <a:pPr algn="l">
+              <a:buFont typeface="Arial" panose="020B0604020202020204" pitchFamily="34" charset="0"/>
+              <a:buChar char="•"/>
+            </a:pPr>
             <a:r>
-              <a:rPr lang="en-US" dirty="0"/>
-              <a:t>Use level 3 text for main bullet points</a:t>
+              <a:rPr lang="en-US" b="0" i="0" dirty="0">
+                <a:solidFill>
+                  <a:srgbClr val="050505"/>
+                </a:solidFill>
+                <a:effectLst/>
+                <a:latin typeface="inherit"/>
+              </a:rPr>
+              <a:t>Azure Web Job</a:t>
             </a:r>
           </a:p>
           <a:p>
-            <a:pPr lvl="2"/>
-            <a:r>
-              <a:rPr lang="en-US" dirty="0"/>
-              <a:t>Use the “Increase List Level” and “Decrease List Level” buttons in the “Paragraph” section of the “Home” tab to change text levels</a:t>
-            </a:r>
-          </a:p>
-          <a:p>
-            <a:pPr lvl="3"/>
-            <a:r>
-              <a:rPr lang="en-US" dirty="0"/>
-              <a:t>Not all text levels are required; use only those relevant to your content</a:t>
-            </a:r>
-          </a:p>
-          <a:p>
-            <a:pPr lvl="2"/>
-            <a:r>
-              <a:rPr lang="en-US" dirty="0"/>
-              <a:t>If too much text is entered into the content area, font size and line spacing are automatically reduced to fit; however, for legibility and consistency, avoid putting too much text on slides</a:t>
-            </a:r>
-          </a:p>
-        </p:txBody>
-      </p:sp>
-      <p:sp>
-        <p:nvSpPr>
-          <p:cNvPr id="5" name="TextBox 4"/>
-          <p:cNvSpPr txBox="1"/>
-          <p:nvPr/>
-        </p:nvSpPr>
-        <p:spPr>
-          <a:xfrm>
-            <a:off x="685800" y="6721474"/>
-            <a:ext cx="11201400" cy="457200"/>
-          </a:xfrm>
-          <a:prstGeom prst="rect">
-            <a:avLst/>
-          </a:prstGeom>
-          <a:noFill/>
-        </p:spPr>
-        <p:txBody>
-          <a:bodyPr wrap="square" lIns="0" tIns="0" rIns="0" bIns="0" rtlCol="0" anchor="b" anchorCtr="0">
-            <a:noAutofit/>
-          </a:bodyPr>
-          <a:lstStyle/>
-          <a:p>
-            <a:r>
-              <a:rPr lang="en-US" sz="900" dirty="0"/>
-              <a:t>Footnotes/references, if needed, appear here in Arial 9pt. </a:t>
-            </a:r>
-            <a:br>
-              <a:rPr lang="en-US" sz="900" dirty="0"/>
-            </a:br>
-            <a:r>
-              <a:rPr lang="en-US" sz="900" dirty="0"/>
-              <a:t>Text grows up as lines are added. Copy and paste this box onto other slides where footnotes are needed.</a:t>
-            </a:r>
+            <a:pPr algn="l">
+              <a:buFont typeface="Arial" panose="020B0604020202020204" pitchFamily="34" charset="0"/>
+              <a:buChar char="•"/>
+            </a:pPr>
+            <a:endParaRPr lang="en-US" b="0" dirty="0">
+              <a:solidFill>
+                <a:srgbClr val="050505"/>
+              </a:solidFill>
+              <a:latin typeface="inherit"/>
+            </a:endParaRPr>
           </a:p>
         </p:txBody>
       </p:sp>
@@ -21924,115 +22153,6 @@
           </a:p>
         </p:txBody>
       </p:sp>
-      <p:grpSp>
-        <p:nvGrpSpPr>
-          <p:cNvPr id="14" name="Group 13">
-            <a:extLst>
-              <a:ext uri="{FF2B5EF4-FFF2-40B4-BE49-F238E27FC236}">
-                <a16:creationId xmlns:a16="http://schemas.microsoft.com/office/drawing/2014/main" id="{A264EB87-E77B-441E-B90F-9843E219DBA0}"/>
-              </a:ext>
-            </a:extLst>
-          </p:cNvPr>
-          <p:cNvGrpSpPr/>
-          <p:nvPr/>
-        </p:nvGrpSpPr>
-        <p:grpSpPr>
-          <a:xfrm>
-            <a:off x="12359062" y="688286"/>
-            <a:ext cx="1594342" cy="782374"/>
-            <a:chOff x="666750" y="683893"/>
-            <a:chExt cx="1590675" cy="780575"/>
-          </a:xfrm>
-        </p:grpSpPr>
-        <p:sp>
-          <p:nvSpPr>
-            <p:cNvPr id="15" name="Rectangle 14">
-              <a:extLst>
-                <a:ext uri="{FF2B5EF4-FFF2-40B4-BE49-F238E27FC236}">
-                  <a16:creationId xmlns:a16="http://schemas.microsoft.com/office/drawing/2014/main" id="{39D65FCA-ABE8-4E52-98FB-9A9C4FF7A89F}"/>
-                </a:ext>
-              </a:extLst>
-            </p:cNvPr>
-            <p:cNvSpPr/>
-            <p:nvPr/>
-          </p:nvSpPr>
-          <p:spPr>
-            <a:xfrm>
-              <a:off x="666750" y="683893"/>
-              <a:ext cx="1590675" cy="780575"/>
-            </a:xfrm>
-            <a:prstGeom prst="rect">
-              <a:avLst/>
-            </a:prstGeom>
-            <a:solidFill>
-              <a:schemeClr val="tx2">
-                <a:lumMod val="90000"/>
-              </a:schemeClr>
-            </a:solidFill>
-            <a:ln>
-              <a:noFill/>
-            </a:ln>
-          </p:spPr>
-          <p:style>
-            <a:lnRef idx="0">
-              <a:schemeClr val="accent1"/>
-            </a:lnRef>
-            <a:fillRef idx="1">
-              <a:schemeClr val="accent1"/>
-            </a:fillRef>
-            <a:effectRef idx="0">
-              <a:schemeClr val="accent1"/>
-            </a:effectRef>
-            <a:fontRef idx="minor">
-              <a:schemeClr val="lt1"/>
-            </a:fontRef>
-          </p:style>
-          <p:txBody>
-            <a:bodyPr rtlCol="0" anchor="ctr"/>
-            <a:lstStyle/>
-            <a:p>
-              <a:pPr algn="ctr"/>
-              <a:endParaRPr lang="en-US" dirty="0"/>
-            </a:p>
-          </p:txBody>
-        </p:sp>
-        <p:pic>
-          <p:nvPicPr>
-            <p:cNvPr id="16" name="Graphic 15">
-              <a:extLst>
-                <a:ext uri="{FF2B5EF4-FFF2-40B4-BE49-F238E27FC236}">
-                  <a16:creationId xmlns:a16="http://schemas.microsoft.com/office/drawing/2014/main" id="{970C1FB5-91CE-4235-8D99-91D008043A38}"/>
-                </a:ext>
-              </a:extLst>
-            </p:cNvPr>
-            <p:cNvPicPr>
-              <a:picLocks noChangeAspect="1"/>
-            </p:cNvPicPr>
-            <p:nvPr/>
-          </p:nvPicPr>
-          <p:blipFill>
-            <a:blip r:embed="rId2">
-              <a:extLst>
-                <a:ext uri="{96DAC541-7B7A-43D3-8B79-37D633B846F1}">
-                  <asvg:svgBlip xmlns:asvg="http://schemas.microsoft.com/office/drawing/2016/SVG/main" r:embed="rId3"/>
-                </a:ext>
-              </a:extLst>
-            </a:blip>
-            <a:stretch>
-              <a:fillRect/>
-            </a:stretch>
-          </p:blipFill>
-          <p:spPr>
-            <a:xfrm>
-              <a:off x="767554" y="794954"/>
-              <a:ext cx="1408113" cy="558775"/>
-            </a:xfrm>
-            <a:prstGeom prst="rect">
-              <a:avLst/>
-            </a:prstGeom>
-          </p:spPr>
-        </p:pic>
-      </p:grpSp>
     </p:spTree>
     <p:extLst>
       <p:ext uri="{BB962C8B-B14F-4D97-AF65-F5344CB8AC3E}">
@@ -23281,140 +23401,227 @@
           <a:bodyPr/>
           <a:lstStyle/>
           <a:p>
+            <a:pPr lvl="1"/>
             <a:r>
-              <a:rPr lang="en-US" dirty="0">
+              <a:rPr lang="en-US" b="0" i="0" dirty="0">
                 <a:solidFill>
-                  <a:schemeClr val="accent1"/>
+                  <a:srgbClr val="050505"/>
                 </a:solidFill>
+                <a:effectLst/>
+                <a:latin typeface="Segoe UI Historic" panose="020B0502040204020203" pitchFamily="34" charset="0"/>
               </a:rPr>
-              <a:t>Level 1 text is Arial Bold 20pt without a bullet. Do not add a bullet to level 1 text. Use level 1 text as a subtitle, lead-in sentence or brief summary paragraph.</a:t>
+              <a:t>Sometimes we get the requirement of running certain operations that can o can not be memory intensive. Many times, those operations don't require a UI but a UI can be built around it. Those are called background processes or services.</a:t>
+            </a:r>
+            <a:endParaRPr lang="en-US" dirty="0"/>
+          </a:p>
+          <a:p>
+            <a:pPr algn="l"/>
+            <a:r>
+              <a:rPr lang="en-US" b="0" i="0" dirty="0">
+                <a:solidFill>
+                  <a:srgbClr val="050505"/>
+                </a:solidFill>
+                <a:effectLst/>
+                <a:latin typeface="inherit"/>
+              </a:rPr>
+              <a:t>Some reasons you want to build this kind of process are:</a:t>
+            </a:r>
+            <a:endParaRPr lang="en-US" b="0" i="0" dirty="0">
+              <a:solidFill>
+                <a:srgbClr val="050505"/>
+              </a:solidFill>
+              <a:effectLst/>
+              <a:latin typeface="Segoe UI Historic" panose="020B0502040204020203" pitchFamily="34" charset="0"/>
+            </a:endParaRPr>
+          </a:p>
+          <a:p>
+            <a:pPr algn="l">
+              <a:buFont typeface="Arial" panose="020B0604020202020204" pitchFamily="34" charset="0"/>
+              <a:buChar char="•"/>
+            </a:pPr>
+            <a:r>
+              <a:rPr lang="en-US" b="0" i="0" dirty="0">
+                <a:solidFill>
+                  <a:srgbClr val="050505"/>
+                </a:solidFill>
+                <a:effectLst/>
+                <a:latin typeface="inherit"/>
+              </a:rPr>
+              <a:t>Long-running processes</a:t>
             </a:r>
           </a:p>
           <a:p>
-            <a:pPr lvl="1"/>
+            <a:pPr algn="l">
+              <a:buFont typeface="Arial" panose="020B0604020202020204" pitchFamily="34" charset="0"/>
+              <a:buChar char="•"/>
+            </a:pPr>
             <a:r>
-              <a:rPr lang="en-US" dirty="0"/>
-              <a:t>Level 2 text is Arial 20pt without a bullet. Do not add a bullet to level 2 text. Use level 2 text for main non-bulleted body text in sentence/paragraph format.</a:t>
+              <a:rPr lang="en-US" b="0" i="0" dirty="0">
+                <a:solidFill>
+                  <a:srgbClr val="050505"/>
+                </a:solidFill>
+                <a:effectLst/>
+                <a:latin typeface="inherit"/>
+              </a:rPr>
+              <a:t>Processing CPU-intensive data</a:t>
             </a:r>
           </a:p>
           <a:p>
-            <a:pPr lvl="2"/>
+            <a:pPr algn="l">
+              <a:buFont typeface="Arial" panose="020B0604020202020204" pitchFamily="34" charset="0"/>
+              <a:buChar char="•"/>
+            </a:pPr>
             <a:r>
-              <a:rPr lang="en-US" dirty="0"/>
-              <a:t>Level 3 text is Arial 20pt with a round bullet</a:t>
+              <a:rPr lang="en-US" b="0" i="0" dirty="0">
+                <a:solidFill>
+                  <a:srgbClr val="050505"/>
+                </a:solidFill>
+                <a:effectLst/>
+                <a:latin typeface="inherit"/>
+              </a:rPr>
+              <a:t>Queueing work items in the background</a:t>
             </a:r>
           </a:p>
           <a:p>
-            <a:pPr lvl="2"/>
+            <a:pPr algn="l">
+              <a:buFont typeface="Arial" panose="020B0604020202020204" pitchFamily="34" charset="0"/>
+              <a:buChar char="•"/>
+            </a:pPr>
             <a:r>
-              <a:rPr lang="en-US" dirty="0"/>
-              <a:t>Use level 3 text for main bullet points</a:t>
+              <a:rPr lang="en-US" b="0" i="0" dirty="0">
+                <a:solidFill>
+                  <a:srgbClr val="050505"/>
+                </a:solidFill>
+                <a:effectLst/>
+                <a:latin typeface="inherit"/>
+              </a:rPr>
+              <a:t>Performing time-based operations or scheduled</a:t>
             </a:r>
           </a:p>
           <a:p>
-            <a:pPr lvl="2"/>
+            <a:pPr algn="l"/>
             <a:r>
-              <a:rPr lang="en-US" dirty="0"/>
-              <a:t>Use the “Increase List Level” and “Decrease List Level” buttons in the “Paragraph” section of the “Home” tab to change text levels</a:t>
+              <a:rPr lang="en-US" b="0" i="0" dirty="0">
+                <a:solidFill>
+                  <a:srgbClr val="050505"/>
+                </a:solidFill>
+                <a:effectLst/>
+                <a:latin typeface="inherit"/>
+              </a:rPr>
+              <a:t>In the early days of .NET Framework, we had the </a:t>
             </a:r>
+            <a:r>
+              <a:rPr lang="en-US" b="0" i="0" dirty="0" err="1">
+                <a:solidFill>
+                  <a:srgbClr val="050505"/>
+                </a:solidFill>
+                <a:effectLst/>
+                <a:latin typeface="inherit"/>
+              </a:rPr>
+              <a:t>WIndow</a:t>
+            </a:r>
+            <a:r>
+              <a:rPr lang="en-US" b="0" i="0" dirty="0">
+                <a:solidFill>
+                  <a:srgbClr val="050505"/>
+                </a:solidFill>
+                <a:effectLst/>
+                <a:latin typeface="inherit"/>
+              </a:rPr>
+              <a:t> Services as a way to implement before that and sometimes that could also be achieved by having an always running either a console app or a Windows Forms with hidden UI exe program but that was not as controlled as the window services, but all these solutions have an inconvenient they can only run in Windows.</a:t>
+            </a:r>
+            <a:endParaRPr lang="en-US" b="0" i="0" dirty="0">
+              <a:solidFill>
+                <a:srgbClr val="050505"/>
+              </a:solidFill>
+              <a:effectLst/>
+              <a:latin typeface="Segoe UI Historic" panose="020B0502040204020203" pitchFamily="34" charset="0"/>
+            </a:endParaRPr>
           </a:p>
           <a:p>
-            <a:pPr lvl="3"/>
+            <a:pPr algn="l"/>
             <a:r>
-              <a:rPr lang="en-US" dirty="0"/>
-              <a:t>Not all text levels are required; use only those relevant to your content</a:t>
+              <a:rPr lang="en-US" b="0" i="0" dirty="0">
+                <a:solidFill>
+                  <a:srgbClr val="050505"/>
+                </a:solidFill>
+                <a:effectLst/>
+                <a:latin typeface="inherit"/>
+              </a:rPr>
+              <a:t>From .NET 3.0 Core and now in .NET there is a way to implement background processes in different platforms not only Windows and that was with the introduction of the </a:t>
             </a:r>
+            <a:r>
+              <a:rPr lang="en-US" b="1" i="0" dirty="0" err="1">
+                <a:solidFill>
+                  <a:srgbClr val="050505"/>
+                </a:solidFill>
+                <a:effectLst/>
+                <a:latin typeface="inherit"/>
+              </a:rPr>
+              <a:t>BackgroundService</a:t>
+            </a:r>
+            <a:r>
+              <a:rPr lang="en-US" b="1" i="0" dirty="0">
+                <a:solidFill>
+                  <a:srgbClr val="050505"/>
+                </a:solidFill>
+                <a:effectLst/>
+                <a:latin typeface="inherit"/>
+              </a:rPr>
+              <a:t> </a:t>
+            </a:r>
+            <a:r>
+              <a:rPr lang="en-US" b="0" i="0" dirty="0">
+                <a:solidFill>
+                  <a:srgbClr val="050505"/>
+                </a:solidFill>
+                <a:effectLst/>
+                <a:latin typeface="inherit"/>
+              </a:rPr>
+              <a:t>abstract class.</a:t>
+            </a:r>
+            <a:endParaRPr lang="en-US" b="0" i="0" dirty="0">
+              <a:solidFill>
+                <a:srgbClr val="050505"/>
+              </a:solidFill>
+              <a:effectLst/>
+              <a:latin typeface="Segoe UI Historic" panose="020B0502040204020203" pitchFamily="34" charset="0"/>
+            </a:endParaRPr>
           </a:p>
           <a:p>
-            <a:pPr lvl="2"/>
-            <a:r>
-              <a:rPr lang="en-US" dirty="0"/>
-              <a:t>If too much text is entered into the content area, font size and line spacing are automatically reduced to fit; however, for legibility and consistency, avoid putting too much text on slides</a:t>
-            </a:r>
+            <a:pPr algn="l"/>
+            <a:endParaRPr lang="en-US" b="0" i="0" dirty="0">
+              <a:solidFill>
+                <a:srgbClr val="050505"/>
+              </a:solidFill>
+              <a:effectLst/>
+              <a:latin typeface="inherit"/>
+            </a:endParaRPr>
           </a:p>
         </p:txBody>
       </p:sp>
       <p:sp>
         <p:nvSpPr>
-          <p:cNvPr id="5" name="TextBox 4"/>
-          <p:cNvSpPr txBox="1"/>
-          <p:nvPr/>
-        </p:nvSpPr>
-        <p:spPr>
-          <a:xfrm>
-            <a:off x="685800" y="6721474"/>
-            <a:ext cx="11201400" cy="457200"/>
-          </a:xfrm>
-          <a:prstGeom prst="rect">
-            <a:avLst/>
-          </a:prstGeom>
-          <a:noFill/>
-        </p:spPr>
-        <p:txBody>
-          <a:bodyPr wrap="square" lIns="0" tIns="0" rIns="0" bIns="0" rtlCol="0" anchor="b" anchorCtr="0">
-            <a:noAutofit/>
-          </a:bodyPr>
-          <a:lstStyle/>
-          <a:p>
-            <a:r>
-              <a:rPr lang="en-US" sz="900" dirty="0"/>
-              <a:t>Footnotes/references, if needed, appear here in Arial 9pt. </a:t>
-            </a:r>
-            <a:br>
-              <a:rPr lang="en-US" sz="900" dirty="0"/>
-            </a:br>
-            <a:r>
-              <a:rPr lang="en-US" sz="900" dirty="0"/>
-              <a:t>Text grows up as lines are added. Copy and paste this box onto other slides where footnotes are needed.</a:t>
-            </a:r>
-          </a:p>
-        </p:txBody>
-      </p:sp>
-      <p:sp>
-        <p:nvSpPr>
-          <p:cNvPr id="7" name="Content Placeholder 6">
+          <p:cNvPr id="4" name="Content Placeholder 3">
             <a:extLst>
               <a:ext uri="{FF2B5EF4-FFF2-40B4-BE49-F238E27FC236}">
-                <a16:creationId xmlns:a16="http://schemas.microsoft.com/office/drawing/2014/main" id="{2D26A11C-A0F3-43CB-AB84-72AAAFAFA844}"/>
+                <a16:creationId xmlns:a16="http://schemas.microsoft.com/office/drawing/2014/main" id="{64FA3629-D1F8-24C0-98AA-BCFFAFCD3140}"/>
               </a:ext>
             </a:extLst>
           </p:cNvPr>
-          <p:cNvSpPr txBox="1">
+          <p:cNvSpPr>
             <a:spLocks noGrp="1"/>
           </p:cNvSpPr>
           <p:nvPr>
             <p:ph idx="10"/>
           </p:nvPr>
         </p:nvSpPr>
-        <p:spPr>
-          <a:xfrm>
-            <a:off x="11715750" y="0"/>
-            <a:ext cx="2601913" cy="776288"/>
-          </a:xfrm>
-          <a:prstGeom prst="rect">
-            <a:avLst/>
-          </a:prstGeom>
-          <a:noFill/>
-        </p:spPr>
+        <p:spPr/>
         <p:txBody>
-          <a:bodyPr wrap="square" lIns="0" tIns="0" rIns="0" bIns="0" rtlCol="0" anchor="ctr" anchorCtr="0">
-            <a:spAutoFit/>
-          </a:bodyPr>
+          <a:bodyPr/>
           <a:lstStyle/>
           <a:p>
-            <a:pPr>
-              <a:lnSpc>
-                <a:spcPct val="90000"/>
-              </a:lnSpc>
-            </a:pPr>
-            <a:r>
-              <a:rPr lang="en-US" sz="1600" b="1" dirty="0">
-                <a:solidFill>
-                  <a:schemeClr val="bg1"/>
-                </a:solidFill>
-              </a:rPr>
-              <a:t>16pt Arial Bold text goes here for a callout</a:t>
-            </a:r>
+            <a:endParaRPr lang="en-US"/>
           </a:p>
         </p:txBody>
       </p:sp>
@@ -23685,8 +23892,8 @@
         </p:nvSpPr>
         <p:spPr>
           <a:xfrm>
-            <a:off x="11715750" y="0"/>
-            <a:ext cx="2601913" cy="776288"/>
+            <a:off x="11715750" y="277344"/>
+            <a:ext cx="2601913" cy="221599"/>
           </a:xfrm>
           <a:prstGeom prst="rect">
             <a:avLst/>
@@ -23704,14 +23911,11 @@
                 <a:spcPct val="90000"/>
               </a:lnSpc>
             </a:pPr>
-            <a:r>
-              <a:rPr lang="en-US" sz="1600" b="1" dirty="0">
-                <a:solidFill>
-                  <a:schemeClr val="bg1"/>
-                </a:solidFill>
-              </a:rPr>
-              <a:t>16pt Arial Bold text goes here for a callout</a:t>
-            </a:r>
+            <a:endParaRPr lang="en-US" sz="1600" b="1" dirty="0">
+              <a:solidFill>
+                <a:schemeClr val="bg1"/>
+              </a:solidFill>
+            </a:endParaRPr>
           </a:p>
         </p:txBody>
       </p:sp>
